--- a/2017_08_Maths.pptx
+++ b/2017_08_Maths.pptx
@@ -237,7 +237,7 @@
           <a:p>
             <a:fld id="{801DB4AD-0506-804D-9177-ECB4D2AAA278}" type="datetimeFigureOut">
               <a:rPr lang="fr-FR" smtClean="0"/>
-              <a:t>12/10/17</a:t>
+              <a:t>20/10/17</a:t>
             </a:fld>
             <a:endParaRPr lang="fr-FR"/>
           </a:p>
@@ -403,7 +403,7 @@
           <a:p>
             <a:fld id="{A81B47BE-82C2-FD4D-9B98-CA52A80151C0}" type="datetimeFigureOut">
               <a:rPr lang="fr-FR" smtClean="0"/>
-              <a:t>12/10/17</a:t>
+              <a:t>20/10/17</a:t>
             </a:fld>
             <a:endParaRPr lang="fr-FR"/>
           </a:p>
@@ -1225,7 +1225,7 @@
           <a:p>
             <a:fld id="{19038BA7-713C-2544-8829-1AE6272C1240}" type="datetime1">
               <a:rPr lang="fr-FR" smtClean="0"/>
-              <a:t>12/10/17</a:t>
+              <a:t>20/10/17</a:t>
             </a:fld>
             <a:endParaRPr lang="fr-FR" dirty="0"/>
           </a:p>
@@ -1573,7 +1573,7 @@
           <a:p>
             <a:fld id="{19038BA7-713C-2544-8829-1AE6272C1240}" type="datetime1">
               <a:rPr lang="fr-FR" smtClean="0"/>
-              <a:t>12/10/17</a:t>
+              <a:t>20/10/17</a:t>
             </a:fld>
             <a:endParaRPr lang="fr-FR" dirty="0"/>
           </a:p>
@@ -1968,7 +1968,7 @@
           <a:p>
             <a:fld id="{90F72DDC-563B-C341-83C2-E73D8B258BF3}" type="datetime1">
               <a:rPr lang="fr-FR" smtClean="0"/>
-              <a:t>12/10/17</a:t>
+              <a:t>20/10/17</a:t>
             </a:fld>
             <a:endParaRPr lang="fr-FR" dirty="0"/>
           </a:p>
@@ -2412,7 +2412,7 @@
           <a:p>
             <a:fld id="{213233DE-E2B7-914A-A9A2-B94007DE19EE}" type="datetime1">
               <a:rPr lang="fr-FR" smtClean="0"/>
-              <a:t>12/10/17</a:t>
+              <a:t>20/10/17</a:t>
             </a:fld>
             <a:endParaRPr lang="fr-FR" dirty="0"/>
           </a:p>
@@ -2856,7 +2856,7 @@
           <a:p>
             <a:fld id="{C42B5CCB-00AF-494F-BB8F-8549A9D97B0C}" type="datetime1">
               <a:rPr lang="fr-FR" smtClean="0"/>
-              <a:t>12/10/17</a:t>
+              <a:t>20/10/17</a:t>
             </a:fld>
             <a:endParaRPr lang="fr-FR" dirty="0"/>
           </a:p>
@@ -3300,7 +3300,7 @@
           <a:p>
             <a:fld id="{D982A0D6-A7C2-DA44-8C91-0D82881601ED}" type="datetime1">
               <a:rPr lang="fr-FR" smtClean="0"/>
-              <a:t>12/10/17</a:t>
+              <a:t>20/10/17</a:t>
             </a:fld>
             <a:endParaRPr lang="fr-FR" dirty="0"/>
           </a:p>
@@ -3744,7 +3744,7 @@
           <a:p>
             <a:fld id="{3D85F28E-A20A-254E-B4B9-91D136105DD0}" type="datetime1">
               <a:rPr lang="fr-FR" smtClean="0"/>
-              <a:t>12/10/17</a:t>
+              <a:t>20/10/17</a:t>
             </a:fld>
             <a:endParaRPr lang="fr-FR" dirty="0"/>
           </a:p>
@@ -4480,7 +4480,7 @@
           <a:p>
             <a:fld id="{FAED594A-145F-964F-8801-3C0B09F2379E}" type="datetime1">
               <a:rPr lang="fr-FR" smtClean="0"/>
-              <a:t>12/10/17</a:t>
+              <a:t>20/10/17</a:t>
             </a:fld>
             <a:endParaRPr lang="fr-FR" dirty="0"/>
           </a:p>
@@ -5516,7 +5516,7 @@
           <a:p>
             <a:fld id="{90F72DDC-563B-C341-83C2-E73D8B258BF3}" type="datetime1">
               <a:rPr lang="fr-FR" smtClean="0"/>
-              <a:t>12/10/17</a:t>
+              <a:t>20/10/17</a:t>
             </a:fld>
             <a:endParaRPr lang="fr-FR" dirty="0"/>
           </a:p>
@@ -5822,6 +5822,13 @@
   <p:clrMapOvr>
     <a:masterClrMapping/>
   </p:clrMapOvr>
+  <p:timing>
+    <p:tnLst>
+      <p:par>
+        <p:cTn xmlns:p14="http://schemas.microsoft.com/office/powerpoint/2010/main" id="1" dur="indefinite" restart="never" nodeType="tmRoot"/>
+      </p:par>
+    </p:tnLst>
+  </p:timing>
 </p:sld>
 </file>
 
@@ -5940,7 +5947,7 @@
           <a:p>
             <a:fld id="{90F72DDC-563B-C341-83C2-E73D8B258BF3}" type="datetime1">
               <a:rPr lang="fr-FR" smtClean="0"/>
-              <a:t>12/10/17</a:t>
+              <a:t>20/10/17</a:t>
             </a:fld>
             <a:endParaRPr lang="fr-FR" dirty="0"/>
           </a:p>
@@ -6101,6 +6108,13 @@
   <p:clrMapOvr>
     <a:masterClrMapping/>
   </p:clrMapOvr>
+  <p:timing>
+    <p:tnLst>
+      <p:par>
+        <p:cTn xmlns:p14="http://schemas.microsoft.com/office/powerpoint/2010/main" id="1" dur="indefinite" restart="never" nodeType="tmRoot"/>
+      </p:par>
+    </p:tnLst>
+  </p:timing>
 </p:sld>
 </file>
 
@@ -6219,7 +6233,7 @@
           <a:p>
             <a:fld id="{90F72DDC-563B-C341-83C2-E73D8B258BF3}" type="datetime1">
               <a:rPr lang="fr-FR" smtClean="0"/>
-              <a:t>12/10/17</a:t>
+              <a:t>20/10/17</a:t>
             </a:fld>
             <a:endParaRPr lang="fr-FR" dirty="0"/>
           </a:p>
@@ -6779,6 +6793,13 @@
   <p:clrMapOvr>
     <a:masterClrMapping/>
   </p:clrMapOvr>
+  <p:timing>
+    <p:tnLst>
+      <p:par>
+        <p:cTn xmlns:p14="http://schemas.microsoft.com/office/powerpoint/2010/main" id="1" dur="indefinite" restart="never" nodeType="tmRoot"/>
+      </p:par>
+    </p:tnLst>
+  </p:timing>
 </p:sld>
 </file>
 
@@ -6897,7 +6918,7 @@
           <a:p>
             <a:fld id="{90F72DDC-563B-C341-83C2-E73D8B258BF3}" type="datetime1">
               <a:rPr lang="fr-FR" smtClean="0"/>
-              <a:t>12/10/17</a:t>
+              <a:t>20/10/17</a:t>
             </a:fld>
             <a:endParaRPr lang="fr-FR" dirty="0"/>
           </a:p>
@@ -7579,6 +7600,13 @@
   <p:clrMapOvr>
     <a:masterClrMapping/>
   </p:clrMapOvr>
+  <p:timing>
+    <p:tnLst>
+      <p:par>
+        <p:cTn xmlns:p14="http://schemas.microsoft.com/office/powerpoint/2010/main" id="1" dur="indefinite" restart="never" nodeType="tmRoot"/>
+      </p:par>
+    </p:tnLst>
+  </p:timing>
 </p:sld>
 </file>
 
@@ -7698,7 +7726,7 @@
           <a:p>
             <a:fld id="{19038BA7-713C-2544-8829-1AE6272C1240}" type="datetime1">
               <a:rPr lang="fr-FR" smtClean="0"/>
-              <a:t>12/10/17</a:t>
+              <a:t>20/10/17</a:t>
             </a:fld>
             <a:endParaRPr lang="fr-FR" dirty="0"/>
           </a:p>
@@ -8334,6 +8362,13 @@
   <p:clrMapOvr>
     <a:masterClrMapping/>
   </p:clrMapOvr>
+  <p:timing>
+    <p:tnLst>
+      <p:par>
+        <p:cTn xmlns:p14="http://schemas.microsoft.com/office/powerpoint/2010/main" id="1" dur="indefinite" restart="never" nodeType="tmRoot"/>
+      </p:par>
+    </p:tnLst>
+  </p:timing>
 </p:sld>
 </file>
 
@@ -8453,7 +8488,7 @@
           <a:p>
             <a:fld id="{19038BA7-713C-2544-8829-1AE6272C1240}" type="datetime1">
               <a:rPr lang="fr-FR" smtClean="0"/>
-              <a:t>12/10/17</a:t>
+              <a:t>20/10/17</a:t>
             </a:fld>
             <a:endParaRPr lang="fr-FR" dirty="0"/>
           </a:p>
@@ -8941,6 +8976,13 @@
   <p:clrMapOvr>
     <a:masterClrMapping/>
   </p:clrMapOvr>
+  <p:timing>
+    <p:tnLst>
+      <p:par>
+        <p:cTn xmlns:p14="http://schemas.microsoft.com/office/powerpoint/2010/main" id="1" dur="indefinite" restart="never" nodeType="tmRoot"/>
+      </p:par>
+    </p:tnLst>
+  </p:timing>
 </p:sld>
 </file>
 
@@ -9060,7 +9102,7 @@
           <a:p>
             <a:fld id="{19038BA7-713C-2544-8829-1AE6272C1240}" type="datetime1">
               <a:rPr lang="fr-FR" smtClean="0"/>
-              <a:t>12/10/17</a:t>
+              <a:t>20/10/17</a:t>
             </a:fld>
             <a:endParaRPr lang="fr-FR" dirty="0"/>
           </a:p>
@@ -9637,6 +9679,13 @@
   <p:clrMapOvr>
     <a:masterClrMapping/>
   </p:clrMapOvr>
+  <p:timing>
+    <p:tnLst>
+      <p:par>
+        <p:cTn xmlns:p14="http://schemas.microsoft.com/office/powerpoint/2010/main" id="1" dur="indefinite" restart="never" nodeType="tmRoot"/>
+      </p:par>
+    </p:tnLst>
+  </p:timing>
 </p:sld>
 </file>
 
@@ -9756,7 +9805,7 @@
           <a:p>
             <a:fld id="{19038BA7-713C-2544-8829-1AE6272C1240}" type="datetime1">
               <a:rPr lang="fr-FR" smtClean="0"/>
-              <a:t>12/10/17</a:t>
+              <a:t>20/10/17</a:t>
             </a:fld>
             <a:endParaRPr lang="fr-FR" dirty="0"/>
           </a:p>
@@ -9909,6 +9958,13 @@
   <p:clrMapOvr>
     <a:masterClrMapping/>
   </p:clrMapOvr>
+  <p:timing>
+    <p:tnLst>
+      <p:par>
+        <p:cTn xmlns:p14="http://schemas.microsoft.com/office/powerpoint/2010/main" id="1" dur="indefinite" restart="never" nodeType="tmRoot"/>
+      </p:par>
+    </p:tnLst>
+  </p:timing>
 </p:sld>
 </file>
 
@@ -10032,7 +10088,7 @@
           <a:p>
             <a:fld id="{19038BA7-713C-2544-8829-1AE6272C1240}" type="datetime1">
               <a:rPr lang="fr-FR" smtClean="0"/>
-              <a:t>12/10/17</a:t>
+              <a:t>20/10/17</a:t>
             </a:fld>
             <a:endParaRPr lang="fr-FR" dirty="0"/>
           </a:p>
@@ -10054,7 +10110,7 @@
           <a:graphicData uri="http://schemas.openxmlformats.org/presentationml/2006/ole">
             <mc:AlternateContent xmlns:mc="http://schemas.openxmlformats.org/markup-compatibility/2006">
               <mc:Choice xmlns:v="urn:schemas-microsoft-com:vml" Requires="v">
-                <p:oleObj spid="_x0000_s18521" name="…quation" r:id="rId3" imgW="2222280" imgH="711000" progId="Equation.3">
+                <p:oleObj spid="_x0000_s18532" name="…quation" r:id="rId3" imgW="2222280" imgH="711000" progId="Equation.3">
                   <p:embed/>
                 </p:oleObj>
               </mc:Choice>
@@ -10149,7 +10205,7 @@
           <a:graphicData uri="http://schemas.openxmlformats.org/presentationml/2006/ole">
             <mc:AlternateContent xmlns:mc="http://schemas.openxmlformats.org/markup-compatibility/2006">
               <mc:Choice xmlns:v="urn:schemas-microsoft-com:vml" Requires="v">
-                <p:oleObj spid="_x0000_s18522" name="Equation" r:id="rId5" imgW="3644640" imgH="215640" progId="Equation.3">
+                <p:oleObj spid="_x0000_s18533" name="Equation" r:id="rId5" imgW="3644640" imgH="215640" progId="Equation.3">
                   <p:embed/>
                 </p:oleObj>
               </mc:Choice>
@@ -10268,6 +10324,13 @@
   <p:clrMapOvr>
     <a:masterClrMapping/>
   </p:clrMapOvr>
+  <p:timing>
+    <p:tnLst>
+      <p:par>
+        <p:cTn xmlns:p14="http://schemas.microsoft.com/office/powerpoint/2010/main" id="1" dur="indefinite" restart="never" nodeType="tmRoot"/>
+      </p:par>
+    </p:tnLst>
+  </p:timing>
 </p:sld>
 </file>
 
@@ -10387,7 +10450,7 @@
           <a:p>
             <a:fld id="{19038BA7-713C-2544-8829-1AE6272C1240}" type="datetime1">
               <a:rPr lang="fr-FR" smtClean="0"/>
-              <a:t>12/10/17</a:t>
+              <a:t>20/10/17</a:t>
             </a:fld>
             <a:endParaRPr lang="fr-FR" dirty="0"/>
           </a:p>
@@ -10481,6 +10544,13 @@
   <p:clrMapOvr>
     <a:masterClrMapping/>
   </p:clrMapOvr>
+  <p:timing>
+    <p:tnLst>
+      <p:par>
+        <p:cTn xmlns:p14="http://schemas.microsoft.com/office/powerpoint/2010/main" id="1" dur="indefinite" restart="never" nodeType="tmRoot"/>
+      </p:par>
+    </p:tnLst>
+  </p:timing>
 </p:sld>
 </file>
 
@@ -10647,7 +10717,7 @@
           <a:p>
             <a:fld id="{19038BA7-713C-2544-8829-1AE6272C1240}" type="datetime1">
               <a:rPr lang="fr-FR" smtClean="0"/>
-              <a:t>12/10/17</a:t>
+              <a:t>20/10/17</a:t>
             </a:fld>
             <a:endParaRPr lang="fr-FR" dirty="0"/>
           </a:p>
@@ -10789,7 +10859,7 @@
           <a:p>
             <a:fld id="{19038BA7-713C-2544-8829-1AE6272C1240}" type="datetime1">
               <a:rPr lang="fr-FR" smtClean="0"/>
-              <a:t>12/10/17</a:t>
+              <a:t>20/10/17</a:t>
             </a:fld>
             <a:endParaRPr lang="fr-FR" dirty="0"/>
           </a:p>
@@ -10954,6 +11024,13 @@
   <p:clrMapOvr>
     <a:masterClrMapping/>
   </p:clrMapOvr>
+  <p:timing>
+    <p:tnLst>
+      <p:par>
+        <p:cTn xmlns:p14="http://schemas.microsoft.com/office/powerpoint/2010/main" id="1" dur="indefinite" restart="never" nodeType="tmRoot"/>
+      </p:par>
+    </p:tnLst>
+  </p:timing>
 </p:sld>
 </file>
 
@@ -11073,7 +11150,7 @@
           <a:p>
             <a:fld id="{19038BA7-713C-2544-8829-1AE6272C1240}" type="datetime1">
               <a:rPr lang="fr-FR" smtClean="0"/>
-              <a:t>12/10/17</a:t>
+              <a:t>20/10/17</a:t>
             </a:fld>
             <a:endParaRPr lang="fr-FR" dirty="0"/>
           </a:p>
@@ -11280,6 +11357,13 @@
   <p:clrMapOvr>
     <a:masterClrMapping/>
   </p:clrMapOvr>
+  <p:timing>
+    <p:tnLst>
+      <p:par>
+        <p:cTn xmlns:p14="http://schemas.microsoft.com/office/powerpoint/2010/main" id="1" dur="indefinite" restart="never" nodeType="tmRoot"/>
+      </p:par>
+    </p:tnLst>
+  </p:timing>
 </p:sld>
 </file>
 
@@ -11453,7 +11537,7 @@
           <a:p>
             <a:fld id="{C42B5CCB-00AF-494F-BB8F-8549A9D97B0C}" type="datetime1">
               <a:rPr lang="fr-FR" smtClean="0"/>
-              <a:t>12/10/17</a:t>
+              <a:t>20/10/17</a:t>
             </a:fld>
             <a:endParaRPr lang="fr-FR" dirty="0"/>
           </a:p>
@@ -12007,6 +12091,13 @@
   <p:clrMapOvr>
     <a:masterClrMapping/>
   </p:clrMapOvr>
+  <p:timing>
+    <p:tnLst>
+      <p:par>
+        <p:cTn xmlns:p14="http://schemas.microsoft.com/office/powerpoint/2010/main" id="1" dur="indefinite" restart="never" nodeType="tmRoot"/>
+      </p:par>
+    </p:tnLst>
+  </p:timing>
 </p:sld>
 </file>
 
@@ -19465,7 +19556,7 @@
           <a:graphicData uri="http://schemas.openxmlformats.org/presentationml/2006/ole">
             <mc:AlternateContent xmlns:mc="http://schemas.openxmlformats.org/markup-compatibility/2006">
               <mc:Choice xmlns:v="urn:schemas-microsoft-com:vml" Requires="v">
-                <p:oleObj spid="_x0000_s3180" name="Equation" r:id="rId3" imgW="952200" imgH="1650960" progId="Equation.DSMT4">
+                <p:oleObj spid="_x0000_s3186" name="Equation" r:id="rId3" imgW="952200" imgH="1650960" progId="Equation.DSMT4">
                   <p:embed/>
                 </p:oleObj>
               </mc:Choice>
@@ -19685,7 +19776,7 @@
           <a:graphicData uri="http://schemas.openxmlformats.org/presentationml/2006/ole">
             <mc:AlternateContent xmlns:mc="http://schemas.openxmlformats.org/markup-compatibility/2006">
               <mc:Choice xmlns:v="urn:schemas-microsoft-com:vml" Requires="v">
-                <p:oleObj spid="_x0000_s4204" name="Equation" r:id="rId3" imgW="2730240" imgH="1650960" progId="Equation.DSMT4">
+                <p:oleObj spid="_x0000_s4210" name="Equation" r:id="rId3" imgW="2730240" imgH="1650960" progId="Equation.DSMT4">
                   <p:embed/>
                 </p:oleObj>
               </mc:Choice>
@@ -19774,6 +19865,13 @@
   <p:clrMapOvr>
     <a:masterClrMapping/>
   </p:clrMapOvr>
+  <p:timing>
+    <p:tnLst>
+      <p:par>
+        <p:cTn xmlns:p14="http://schemas.microsoft.com/office/powerpoint/2010/main" id="1" dur="indefinite" restart="never" nodeType="tmRoot"/>
+      </p:par>
+    </p:tnLst>
+  </p:timing>
 </p:sld>
 </file>
 
@@ -19895,7 +19993,7 @@
           <a:graphicData uri="http://schemas.openxmlformats.org/presentationml/2006/ole">
             <mc:AlternateContent xmlns:mc="http://schemas.openxmlformats.org/markup-compatibility/2006">
               <mc:Choice xmlns:v="urn:schemas-microsoft-com:vml" Requires="v">
-                <p:oleObj spid="_x0000_s5228" name="Equation" r:id="rId3" imgW="3022560" imgH="1650960" progId="Equation.DSMT4">
+                <p:oleObj spid="_x0000_s5234" name="Equation" r:id="rId3" imgW="3022560" imgH="1650960" progId="Equation.DSMT4">
                   <p:embed/>
                 </p:oleObj>
               </mc:Choice>
@@ -20037,6 +20135,13 @@
   <p:clrMapOvr>
     <a:masterClrMapping/>
   </p:clrMapOvr>
+  <p:timing>
+    <p:tnLst>
+      <p:par>
+        <p:cTn xmlns:p14="http://schemas.microsoft.com/office/powerpoint/2010/main" id="1" dur="indefinite" restart="never" nodeType="tmRoot"/>
+      </p:par>
+    </p:tnLst>
+  </p:timing>
 </p:sld>
 </file>
 
@@ -20165,7 +20270,7 @@
           <a:graphicData uri="http://schemas.openxmlformats.org/presentationml/2006/ole">
             <mc:AlternateContent xmlns:mc="http://schemas.openxmlformats.org/markup-compatibility/2006">
               <mc:Choice xmlns:v="urn:schemas-microsoft-com:vml" Requires="v">
-                <p:oleObj spid="_x0000_s6252" name="Equation" r:id="rId3" imgW="2133360" imgH="914400" progId="Equation.DSMT4">
+                <p:oleObj spid="_x0000_s6258" name="Equation" r:id="rId3" imgW="2133360" imgH="914400" progId="Equation.DSMT4">
                   <p:embed/>
                 </p:oleObj>
               </mc:Choice>
@@ -20254,6 +20359,13 @@
   <p:clrMapOvr>
     <a:masterClrMapping/>
   </p:clrMapOvr>
+  <p:timing>
+    <p:tnLst>
+      <p:par>
+        <p:cTn xmlns:p14="http://schemas.microsoft.com/office/powerpoint/2010/main" id="1" dur="indefinite" restart="never" nodeType="tmRoot"/>
+      </p:par>
+    </p:tnLst>
+  </p:timing>
 </p:sld>
 </file>
 
@@ -20581,7 +20693,7 @@
           <a:p>
             <a:fld id="{19038BA7-713C-2544-8829-1AE6272C1240}" type="datetime1">
               <a:rPr lang="fr-FR" smtClean="0"/>
-              <a:t>12/10/17</a:t>
+              <a:t>20/10/17</a:t>
             </a:fld>
             <a:endParaRPr lang="fr-FR" dirty="0"/>
           </a:p>
@@ -20597,6 +20709,13 @@
   <p:clrMapOvr>
     <a:masterClrMapping/>
   </p:clrMapOvr>
+  <p:timing>
+    <p:tnLst>
+      <p:par>
+        <p:cTn xmlns:p14="http://schemas.microsoft.com/office/powerpoint/2010/main" id="1" dur="indefinite" restart="never" nodeType="tmRoot"/>
+      </p:par>
+    </p:tnLst>
+  </p:timing>
 </p:sld>
 </file>
 
@@ -21992,7 +22111,7 @@
           <a:graphicData uri="http://schemas.openxmlformats.org/presentationml/2006/ole">
             <mc:AlternateContent xmlns:mc="http://schemas.openxmlformats.org/markup-compatibility/2006">
               <mc:Choice xmlns:v="urn:schemas-microsoft-com:vml" Requires="v">
-                <p:oleObj spid="_x0000_s8300" name="Equation" r:id="rId3" imgW="2958840" imgH="914400" progId="Equation.DSMT4">
+                <p:oleObj spid="_x0000_s8306" name="Equation" r:id="rId3" imgW="2958840" imgH="914400" progId="Equation.DSMT4">
                   <p:embed/>
                 </p:oleObj>
               </mc:Choice>
@@ -22931,8 +23050,12 @@
               <a:buNone/>
             </a:pPr>
             <a:r>
-              <a:rPr lang="en-US"/>
-              <a:t>1) The image plane origin may be translated:</a:t>
+              <a:rPr lang="en-US" dirty="0" smtClean="0"/>
+              <a:t>1) The </a:t>
+            </a:r>
+            <a:r>
+              <a:rPr lang="en-US" dirty="0"/>
+              <a:t>image plane origin may be translated:</a:t>
             </a:r>
           </a:p>
         </p:txBody>
@@ -24173,7 +24296,7 @@
           <a:graphicData uri="http://schemas.openxmlformats.org/presentationml/2006/ole">
             <mc:AlternateContent xmlns:mc="http://schemas.openxmlformats.org/markup-compatibility/2006">
               <mc:Choice xmlns:v="urn:schemas-microsoft-com:vml" Requires="v">
-                <p:oleObj spid="_x0000_s16491" name="Equation" r:id="rId3" imgW="3708360" imgH="914400" progId="Equation.DSMT4">
+                <p:oleObj spid="_x0000_s16497" name="Equation" r:id="rId3" imgW="3708360" imgH="914400" progId="Equation.DSMT4">
                   <p:embed/>
                 </p:oleObj>
               </mc:Choice>
@@ -24499,7 +24622,7 @@
           <a:graphicData uri="http://schemas.openxmlformats.org/presentationml/2006/ole">
             <mc:AlternateContent xmlns:mc="http://schemas.openxmlformats.org/markup-compatibility/2006">
               <mc:Choice xmlns:v="urn:schemas-microsoft-com:vml" Requires="v">
-                <p:oleObj spid="_x0000_s17617" name="Equation" r:id="rId3" imgW="3708360" imgH="914400" progId="Equation.DSMT4">
+                <p:oleObj spid="_x0000_s17628" name="Equation" r:id="rId3" imgW="3708360" imgH="914400" progId="Equation.DSMT4">
                   <p:embed/>
                 </p:oleObj>
               </mc:Choice>
@@ -24708,7 +24831,7 @@
           <a:graphicData uri="http://schemas.openxmlformats.org/presentationml/2006/ole">
             <mc:AlternateContent xmlns:mc="http://schemas.openxmlformats.org/markup-compatibility/2006">
               <mc:Choice xmlns:v="urn:schemas-microsoft-com:vml" Requires="v">
-                <p:oleObj spid="_x0000_s17618" name="Equation" r:id="rId5" imgW="1130040" imgH="711000" progId="Equation.DSMT4">
+                <p:oleObj spid="_x0000_s17629" name="Equation" r:id="rId5" imgW="1130040" imgH="711000" progId="Equation.DSMT4">
                   <p:embed/>
                 </p:oleObj>
               </mc:Choice>
@@ -26657,7 +26780,7 @@
           <a:p>
             <a:fld id="{D982A0D6-A7C2-DA44-8C91-0D82881601ED}" type="datetime1">
               <a:rPr lang="fr-FR" smtClean="0"/>
-              <a:t>12/10/17</a:t>
+              <a:t>20/10/17</a:t>
             </a:fld>
             <a:endParaRPr lang="fr-FR" dirty="0"/>
           </a:p>
@@ -26726,6 +26849,13 @@
   <p:clrMapOvr>
     <a:masterClrMapping/>
   </p:clrMapOvr>
+  <p:timing>
+    <p:tnLst>
+      <p:par>
+        <p:cTn xmlns:p14="http://schemas.microsoft.com/office/powerpoint/2010/main" id="1" dur="indefinite" restart="never" nodeType="tmRoot"/>
+      </p:par>
+    </p:tnLst>
+  </p:timing>
 </p:sld>
 </file>
 
@@ -26845,7 +26975,7 @@
           <a:p>
             <a:fld id="{D982A0D6-A7C2-DA44-8C91-0D82881601ED}" type="datetime1">
               <a:rPr lang="fr-FR" smtClean="0"/>
-              <a:t>12/10/17</a:t>
+              <a:t>20/10/17</a:t>
             </a:fld>
             <a:endParaRPr lang="fr-FR" dirty="0"/>
           </a:p>
@@ -26897,7 +27027,19 @@
             </a:r>
             <a:r>
               <a:rPr lang="en-US" altLang="zh-CN" dirty="0"/>
-              <a:t> un extension de </a:t>
+              <a:t> </a:t>
+            </a:r>
+            <a:r>
+              <a:rPr lang="en-US" altLang="zh-CN" dirty="0" err="1" smtClean="0"/>
+              <a:t>une</a:t>
+            </a:r>
+            <a:r>
+              <a:rPr lang="en-US" altLang="zh-CN" dirty="0" smtClean="0"/>
+              <a:t> </a:t>
+            </a:r>
+            <a:r>
+              <a:rPr lang="en-US" altLang="zh-CN" dirty="0"/>
+              <a:t>extension de </a:t>
             </a:r>
             <a:r>
               <a:rPr lang="en-US" altLang="zh-CN" dirty="0" err="1"/>
@@ -27384,6 +27526,13 @@
   <p:clrMapOvr>
     <a:masterClrMapping/>
   </p:clrMapOvr>
+  <p:timing>
+    <p:tnLst>
+      <p:par>
+        <p:cTn xmlns:p14="http://schemas.microsoft.com/office/powerpoint/2010/main" id="1" dur="indefinite" restart="never" nodeType="tmRoot"/>
+      </p:par>
+    </p:tnLst>
+  </p:timing>
 </p:sld>
 </file>
 
@@ -27892,7 +28041,7 @@
           <a:p>
             <a:fld id="{D982A0D6-A7C2-DA44-8C91-0D82881601ED}" type="datetime1">
               <a:rPr lang="fr-FR" smtClean="0"/>
-              <a:t>12/10/17</a:t>
+              <a:t>20/10/17</a:t>
             </a:fld>
             <a:endParaRPr lang="fr-FR" dirty="0"/>
           </a:p>
@@ -27908,6 +28057,13 @@
   <p:clrMapOvr>
     <a:masterClrMapping/>
   </p:clrMapOvr>
+  <p:timing>
+    <p:tnLst>
+      <p:par>
+        <p:cTn xmlns:p14="http://schemas.microsoft.com/office/powerpoint/2010/main" id="1" dur="indefinite" restart="never" nodeType="tmRoot"/>
+      </p:par>
+    </p:tnLst>
+  </p:timing>
 </p:sld>
 </file>
 
@@ -28530,7 +28686,7 @@
           <a:p>
             <a:fld id="{D982A0D6-A7C2-DA44-8C91-0D82881601ED}" type="datetime1">
               <a:rPr lang="fr-FR" smtClean="0"/>
-              <a:t>12/10/17</a:t>
+              <a:t>20/10/17</a:t>
             </a:fld>
             <a:endParaRPr lang="fr-FR" dirty="0"/>
           </a:p>
@@ -28546,6 +28702,13 @@
   <p:clrMapOvr>
     <a:masterClrMapping/>
   </p:clrMapOvr>
+  <p:timing>
+    <p:tnLst>
+      <p:par>
+        <p:cTn xmlns:p14="http://schemas.microsoft.com/office/powerpoint/2010/main" id="1" dur="indefinite" restart="never" nodeType="tmRoot"/>
+      </p:par>
+    </p:tnLst>
+  </p:timing>
 </p:sld>
 </file>
 
@@ -28773,7 +28936,7 @@
           <a:p>
             <a:fld id="{D982A0D6-A7C2-DA44-8C91-0D82881601ED}" type="datetime1">
               <a:rPr lang="fr-FR" smtClean="0"/>
-              <a:t>12/10/17</a:t>
+              <a:t>20/10/17</a:t>
             </a:fld>
             <a:endParaRPr lang="fr-FR" dirty="0"/>
           </a:p>
@@ -28789,6 +28952,13 @@
   <p:clrMapOvr>
     <a:masterClrMapping/>
   </p:clrMapOvr>
+  <p:timing>
+    <p:tnLst>
+      <p:par>
+        <p:cTn xmlns:p14="http://schemas.microsoft.com/office/powerpoint/2010/main" id="1" dur="indefinite" restart="never" nodeType="tmRoot"/>
+      </p:par>
+    </p:tnLst>
+  </p:timing>
 </p:sld>
 </file>
 
@@ -28907,7 +29077,7 @@
           <a:p>
             <a:fld id="{90F72DDC-563B-C341-83C2-E73D8B258BF3}" type="datetime1">
               <a:rPr lang="fr-FR" smtClean="0"/>
-              <a:t>12/10/17</a:t>
+              <a:t>20/10/17</a:t>
             </a:fld>
             <a:endParaRPr lang="fr-FR" dirty="0"/>
           </a:p>
@@ -29107,6 +29277,13 @@
   <p:clrMapOvr>
     <a:masterClrMapping/>
   </p:clrMapOvr>
+  <p:timing>
+    <p:tnLst>
+      <p:par>
+        <p:cTn xmlns:p14="http://schemas.microsoft.com/office/powerpoint/2010/main" id="1" dur="indefinite" restart="never" nodeType="tmRoot"/>
+      </p:par>
+    </p:tnLst>
+  </p:timing>
 </p:sld>
 </file>
 
@@ -29290,7 +29467,7 @@
           <a:p>
             <a:fld id="{D982A0D6-A7C2-DA44-8C91-0D82881601ED}" type="datetime1">
               <a:rPr lang="fr-FR" smtClean="0"/>
-              <a:t>12/10/17</a:t>
+              <a:t>20/10/17</a:t>
             </a:fld>
             <a:endParaRPr lang="fr-FR" dirty="0"/>
           </a:p>
@@ -29330,6 +29507,13 @@
   <p:clrMapOvr>
     <a:masterClrMapping/>
   </p:clrMapOvr>
+  <p:timing>
+    <p:tnLst>
+      <p:par>
+        <p:cTn xmlns:p14="http://schemas.microsoft.com/office/powerpoint/2010/main" id="1" dur="indefinite" restart="never" nodeType="tmRoot"/>
+      </p:par>
+    </p:tnLst>
+  </p:timing>
 </p:sld>
 </file>
 
@@ -29449,7 +29633,7 @@
           <a:p>
             <a:fld id="{D982A0D6-A7C2-DA44-8C91-0D82881601ED}" type="datetime1">
               <a:rPr lang="fr-FR" smtClean="0"/>
-              <a:t>12/10/17</a:t>
+              <a:t>20/10/17</a:t>
             </a:fld>
             <a:endParaRPr lang="fr-FR" dirty="0"/>
           </a:p>
@@ -29565,6 +29749,13 @@
   <p:clrMapOvr>
     <a:masterClrMapping/>
   </p:clrMapOvr>
+  <p:timing>
+    <p:tnLst>
+      <p:par>
+        <p:cTn xmlns:p14="http://schemas.microsoft.com/office/powerpoint/2010/main" id="1" dur="indefinite" restart="never" nodeType="tmRoot"/>
+      </p:par>
+    </p:tnLst>
+  </p:timing>
 </p:sld>
 </file>
 
@@ -29708,7 +29899,7 @@
           <a:p>
             <a:fld id="{D982A0D6-A7C2-DA44-8C91-0D82881601ED}" type="datetime1">
               <a:rPr lang="fr-FR" smtClean="0"/>
-              <a:t>12/10/17</a:t>
+              <a:t>20/10/17</a:t>
             </a:fld>
             <a:endParaRPr lang="fr-FR" dirty="0"/>
           </a:p>
@@ -29894,6 +30085,13 @@
   <p:clrMapOvr>
     <a:masterClrMapping/>
   </p:clrMapOvr>
+  <p:timing>
+    <p:tnLst>
+      <p:par>
+        <p:cTn xmlns:p14="http://schemas.microsoft.com/office/powerpoint/2010/main" id="1" dur="indefinite" restart="never" nodeType="tmRoot"/>
+      </p:par>
+    </p:tnLst>
+  </p:timing>
 </p:sld>
 </file>
 
@@ -30013,7 +30211,7 @@
           <a:p>
             <a:fld id="{3D85F28E-A20A-254E-B4B9-91D136105DD0}" type="datetime1">
               <a:rPr lang="fr-FR" smtClean="0"/>
-              <a:t>12/10/17</a:t>
+              <a:t>20/10/17</a:t>
             </a:fld>
             <a:endParaRPr lang="fr-FR" dirty="0"/>
           </a:p>
@@ -30091,6 +30289,32 @@
           </a:prstGeom>
         </p:spPr>
       </p:pic>
+      <p:sp>
+        <p:nvSpPr>
+          <p:cNvPr id="3" name="ZoneTexte 2"/>
+          <p:cNvSpPr txBox="1"/>
+          <p:nvPr/>
+        </p:nvSpPr>
+        <p:spPr>
+          <a:xfrm>
+            <a:off x="-764224" y="1179992"/>
+            <a:ext cx="184666" cy="369332"/>
+          </a:xfrm>
+          <a:prstGeom prst="rect">
+            <a:avLst/>
+          </a:prstGeom>
+          <a:noFill/>
+        </p:spPr>
+        <p:txBody>
+          <a:bodyPr wrap="none" rtlCol="0">
+            <a:spAutoFit/>
+          </a:bodyPr>
+          <a:lstStyle/>
+          <a:p>
+            <a:endParaRPr lang="fr-FR"/>
+          </a:p>
+        </p:txBody>
+      </p:sp>
     </p:spTree>
     <p:extLst>
       <p:ext uri="{BB962C8B-B14F-4D97-AF65-F5344CB8AC3E}">
@@ -30101,6 +30325,13 @@
   <p:clrMapOvr>
     <a:masterClrMapping/>
   </p:clrMapOvr>
+  <p:timing>
+    <p:tnLst>
+      <p:par>
+        <p:cTn xmlns:p14="http://schemas.microsoft.com/office/powerpoint/2010/main" id="1" dur="indefinite" restart="never" nodeType="tmRoot"/>
+      </p:par>
+    </p:tnLst>
+  </p:timing>
 </p:sld>
 </file>
 
@@ -30215,7 +30446,7 @@
           <a:p>
             <a:fld id="{90F72DDC-563B-C341-83C2-E73D8B258BF3}" type="datetime1">
               <a:rPr lang="fr-FR" smtClean="0"/>
-              <a:t>12/10/17</a:t>
+              <a:t>20/10/17</a:t>
             </a:fld>
             <a:endParaRPr lang="fr-FR" dirty="0"/>
           </a:p>
@@ -31214,6 +31445,13 @@
   <p:clrMapOvr>
     <a:masterClrMapping/>
   </p:clrMapOvr>
+  <p:timing>
+    <p:tnLst>
+      <p:par>
+        <p:cTn xmlns:p14="http://schemas.microsoft.com/office/powerpoint/2010/main" id="1" dur="indefinite" restart="never" nodeType="tmRoot"/>
+      </p:par>
+    </p:tnLst>
+  </p:timing>
 </p:sld>
 </file>
 
@@ -31388,7 +31626,7 @@
           <a:p>
             <a:fld id="{90F72DDC-563B-C341-83C2-E73D8B258BF3}" type="datetime1">
               <a:rPr lang="fr-FR" smtClean="0"/>
-              <a:t>12/10/17</a:t>
+              <a:t>20/10/17</a:t>
             </a:fld>
             <a:endParaRPr lang="fr-FR" dirty="0"/>
           </a:p>
@@ -31449,6 +31687,13 @@
   <p:clrMapOvr>
     <a:masterClrMapping/>
   </p:clrMapOvr>
+  <p:timing>
+    <p:tnLst>
+      <p:par>
+        <p:cTn xmlns:p14="http://schemas.microsoft.com/office/powerpoint/2010/main" id="1" dur="indefinite" restart="never" nodeType="tmRoot"/>
+      </p:par>
+    </p:tnLst>
+  </p:timing>
 </p:sld>
 </file>
 
@@ -31687,7 +31932,7 @@
           <a:p>
             <a:fld id="{90F72DDC-563B-C341-83C2-E73D8B258BF3}" type="datetime1">
               <a:rPr lang="fr-FR" smtClean="0"/>
-              <a:t>12/10/17</a:t>
+              <a:t>20/10/17</a:t>
             </a:fld>
             <a:endParaRPr lang="fr-FR" dirty="0"/>
           </a:p>
@@ -31748,6 +31993,13 @@
   <p:clrMapOvr>
     <a:masterClrMapping/>
   </p:clrMapOvr>
+  <p:timing>
+    <p:tnLst>
+      <p:par>
+        <p:cTn xmlns:p14="http://schemas.microsoft.com/office/powerpoint/2010/main" id="1" dur="indefinite" restart="never" nodeType="tmRoot"/>
+      </p:par>
+    </p:tnLst>
+  </p:timing>
 </p:sld>
 </file>
 
@@ -31962,7 +32214,7 @@
           <a:p>
             <a:fld id="{90F72DDC-563B-C341-83C2-E73D8B258BF3}" type="datetime1">
               <a:rPr lang="fr-FR" smtClean="0"/>
-              <a:t>12/10/17</a:t>
+              <a:t>20/10/17</a:t>
             </a:fld>
             <a:endParaRPr lang="fr-FR" dirty="0"/>
           </a:p>
@@ -32023,6 +32275,13 @@
   <p:clrMapOvr>
     <a:masterClrMapping/>
   </p:clrMapOvr>
+  <p:timing>
+    <p:tnLst>
+      <p:par>
+        <p:cTn xmlns:p14="http://schemas.microsoft.com/office/powerpoint/2010/main" id="1" dur="indefinite" restart="never" nodeType="tmRoot"/>
+      </p:par>
+    </p:tnLst>
+  </p:timing>
 </p:sld>
 </file>
 
@@ -32141,7 +32400,7 @@
           <a:p>
             <a:fld id="{90F72DDC-563B-C341-83C2-E73D8B258BF3}" type="datetime1">
               <a:rPr lang="fr-FR" smtClean="0"/>
-              <a:t>12/10/17</a:t>
+              <a:t>20/10/17</a:t>
             </a:fld>
             <a:endParaRPr lang="fr-FR" dirty="0"/>
           </a:p>
@@ -32469,7 +32728,7 @@
           <a:graphicData uri="http://schemas.openxmlformats.org/presentationml/2006/ole">
             <mc:AlternateContent xmlns:mc="http://schemas.openxmlformats.org/markup-compatibility/2006">
               <mc:Choice xmlns:v="urn:schemas-microsoft-com:vml" Requires="v">
-                <p:oleObj spid="_x0000_s1197" name="Equation" r:id="rId3" imgW="1701720" imgH="203040" progId="Equation.DSMT4">
+                <p:oleObj spid="_x0000_s1203" name="Equation" r:id="rId3" imgW="1701720" imgH="203040" progId="Equation.DSMT4">
                   <p:embed/>
                 </p:oleObj>
               </mc:Choice>
@@ -33260,6 +33519,13 @@
   <p:clrMapOvr>
     <a:masterClrMapping/>
   </p:clrMapOvr>
+  <p:timing>
+    <p:tnLst>
+      <p:par>
+        <p:cTn xmlns:p14="http://schemas.microsoft.com/office/powerpoint/2010/main" id="1" dur="indefinite" restart="never" nodeType="tmRoot"/>
+      </p:par>
+    </p:tnLst>
+  </p:timing>
 </p:sld>
 </file>
 
